--- a/Predicting Ames, IA Housing Prices.pptx
+++ b/Predicting Ames, IA Housing Prices.pptx
@@ -7,7 +7,7 @@
     <p:sldMasterId id="2147483653" r:id="rId3"/>
   </p:sldMasterIdLst>
   <p:notesMasterIdLst>
-    <p:notesMasterId r:id="rId30"/>
+    <p:notesMasterId r:id="rId29"/>
   </p:notesMasterIdLst>
   <p:sldIdLst>
     <p:sldId id="256" r:id="rId4"/>
@@ -33,9 +33,8 @@
     <p:sldId id="306" r:id="rId24"/>
     <p:sldId id="316" r:id="rId25"/>
     <p:sldId id="313" r:id="rId26"/>
-    <p:sldId id="321" r:id="rId27"/>
-    <p:sldId id="266" r:id="rId28"/>
-    <p:sldId id="262" r:id="rId29"/>
+    <p:sldId id="266" r:id="rId27"/>
+    <p:sldId id="262" r:id="rId28"/>
   </p:sldIdLst>
   <p:sldSz cx="9144000" cy="5143500" type="screen16x9"/>
   <p:notesSz cx="6858000" cy="9144000"/>
@@ -1143,10 +1142,10 @@
               <a:buNone/>
             </a:pPr>
             <a:r>
-              <a:rPr lang="en"/>
+              <a:rPr lang="en" dirty="0"/>
               <a:t>We started from our chosen variables and added the dummified categorical variables. We performed lasso regression. By using cross-validation and varying the alpha penalization rate, we found that the optimal rate where the test score maximized since that showed the best generalized model. From there, we culled the variables to those with non-zero coefficients. </a:t>
             </a:r>
-            <a:endParaRPr/>
+            <a:endParaRPr dirty="0"/>
           </a:p>
           <a:p>
             <a:pPr marL="0" lvl="0" indent="0" algn="l" rtl="0">
@@ -1158,7 +1157,7 @@
               </a:spcAft>
               <a:buNone/>
             </a:pPr>
-            <a:endParaRPr/>
+            <a:endParaRPr dirty="0"/>
           </a:p>
           <a:p>
             <a:pPr marL="0" lvl="0" indent="0" algn="l" rtl="0">
@@ -1171,10 +1170,14 @@
               <a:buNone/>
             </a:pPr>
             <a:r>
+              <a:rPr lang="en" dirty="0"/>
+              <a:t>Interpreting the results: Since our regression model predicts the log of the sale price, an increase in one unit of a given variable will increase the log SalePrice by the coefficient of the variable (keeping all other variables constant). For example, for an addition square foot of Total Living Area, we would expect the log price to increase by 2/100th of a </a:t>
+            </a:r>
+            <a:r>
               <a:rPr lang="en"/>
-              <a:t>Interpreting the results: Since our regression model predicts the log of the sale price, an increase in one unit of a given variable will increase the log SalePrice by the coefficient of the variable (keeping all other variables constant). For example, for an addition square foot of Total Living Area, we would expect the log price to increase by 2/100th of a cent.</a:t>
-            </a:r>
-            <a:endParaRPr/>
+              <a:t>cent.</a:t>
+            </a:r>
+            <a:endParaRPr dirty="0"/>
           </a:p>
         </p:txBody>
       </p:sp>
@@ -2002,115 +2005,6 @@
         </p:txBody>
       </p:sp>
     </p:spTree>
-  </p:cSld>
-  <p:clrMapOvr>
-    <a:masterClrMapping/>
-  </p:clrMapOvr>
-</p:notes>
-</file>
-
-<file path=ppt/notesSlides/notesSlide20.xml><?xml version="1.0" encoding="utf-8"?>
-<p:notes xmlns:a="http://schemas.openxmlformats.org/drawingml/2006/main" xmlns:r="http://schemas.openxmlformats.org/officeDocument/2006/relationships" xmlns:p="http://schemas.openxmlformats.org/presentationml/2006/main" showMasterSp="0" showMasterPhAnim="0">
-  <p:cSld>
-    <p:spTree>
-      <p:nvGrpSpPr>
-        <p:cNvPr id="1" name="Shape 186"/>
-        <p:cNvGrpSpPr/>
-        <p:nvPr/>
-      </p:nvGrpSpPr>
-      <p:grpSpPr>
-        <a:xfrm>
-          <a:off x="0" y="0"/>
-          <a:ext cx="0" cy="0"/>
-          <a:chOff x="0" y="0"/>
-          <a:chExt cx="0" cy="0"/>
-        </a:xfrm>
-      </p:grpSpPr>
-      <p:sp>
-        <p:nvSpPr>
-          <p:cNvPr id="187" name="Google Shape;187;gc4eb6f53a9_1_325:notes"/>
-          <p:cNvSpPr>
-            <a:spLocks noGrp="1" noRot="1" noChangeAspect="1"/>
-          </p:cNvSpPr>
-          <p:nvPr>
-            <p:ph type="sldImg" idx="2"/>
-          </p:nvPr>
-        </p:nvSpPr>
-        <p:spPr>
-          <a:xfrm>
-            <a:off x="381000" y="685800"/>
-            <a:ext cx="6096000" cy="3429000"/>
-          </a:xfrm>
-          <a:custGeom>
-            <a:avLst/>
-            <a:gdLst/>
-            <a:ahLst/>
-            <a:cxnLst/>
-            <a:rect l="l" t="t" r="r" b="b"/>
-            <a:pathLst>
-              <a:path w="120000" h="120000" extrusionOk="0">
-                <a:moveTo>
-                  <a:pt x="0" y="0"/>
-                </a:moveTo>
-                <a:lnTo>
-                  <a:pt x="120000" y="0"/>
-                </a:lnTo>
-                <a:lnTo>
-                  <a:pt x="120000" y="120000"/>
-                </a:lnTo>
-                <a:lnTo>
-                  <a:pt x="0" y="120000"/>
-                </a:lnTo>
-                <a:close/>
-              </a:path>
-            </a:pathLst>
-          </a:custGeom>
-        </p:spPr>
-      </p:sp>
-      <p:sp>
-        <p:nvSpPr>
-          <p:cNvPr id="188" name="Google Shape;188;gc4eb6f53a9_1_325:notes"/>
-          <p:cNvSpPr txBox="1">
-            <a:spLocks noGrp="1"/>
-          </p:cNvSpPr>
-          <p:nvPr>
-            <p:ph type="body" idx="1"/>
-          </p:nvPr>
-        </p:nvSpPr>
-        <p:spPr>
-          <a:xfrm>
-            <a:off x="685800" y="4343400"/>
-            <a:ext cx="5486400" cy="4114800"/>
-          </a:xfrm>
-          <a:prstGeom prst="rect">
-            <a:avLst/>
-          </a:prstGeom>
-        </p:spPr>
-        <p:txBody>
-          <a:bodyPr spcFirstLastPara="1" wrap="square" lIns="91425" tIns="91425" rIns="91425" bIns="91425" anchor="t" anchorCtr="0">
-            <a:noAutofit/>
-          </a:bodyPr>
-          <a:lstStyle/>
-          <a:p>
-            <a:pPr marL="0" lvl="0" indent="0" algn="l" rtl="0">
-              <a:spcBef>
-                <a:spcPts val="0"/>
-              </a:spcBef>
-              <a:spcAft>
-                <a:spcPts val="0"/>
-              </a:spcAft>
-              <a:buNone/>
-            </a:pPr>
-            <a:endParaRPr dirty="0"/>
-          </a:p>
-        </p:txBody>
-      </p:sp>
-    </p:spTree>
-    <p:extLst>
-      <p:ext uri="{BB962C8B-B14F-4D97-AF65-F5344CB8AC3E}">
-        <p14:creationId xmlns:p14="http://schemas.microsoft.com/office/powerpoint/2010/main" val="3222187536"/>
-      </p:ext>
-    </p:extLst>
   </p:cSld>
   <p:clrMapOvr>
     <a:masterClrMapping/>
@@ -17698,129 +17592,6 @@
   <p:cSld>
     <p:spTree>
       <p:nvGrpSpPr>
-        <p:cNvPr id="1" name="Shape 189"/>
-        <p:cNvGrpSpPr/>
-        <p:nvPr/>
-      </p:nvGrpSpPr>
-      <p:grpSpPr>
-        <a:xfrm>
-          <a:off x="0" y="0"/>
-          <a:ext cx="0" cy="0"/>
-          <a:chOff x="0" y="0"/>
-          <a:chExt cx="0" cy="0"/>
-        </a:xfrm>
-      </p:grpSpPr>
-      <p:sp>
-        <p:nvSpPr>
-          <p:cNvPr id="2" name="Text Placeholder 1">
-            <a:extLst>
-              <a:ext uri="{FF2B5EF4-FFF2-40B4-BE49-F238E27FC236}">
-                <a16:creationId xmlns:a16="http://schemas.microsoft.com/office/drawing/2014/main" id="{9ACA1755-C95A-48E8-99C9-333E69C6445A}"/>
-              </a:ext>
-            </a:extLst>
-          </p:cNvPr>
-          <p:cNvSpPr>
-            <a:spLocks noGrp="1"/>
-          </p:cNvSpPr>
-          <p:nvPr>
-            <p:ph type="body" sz="quarter" idx="10"/>
-          </p:nvPr>
-        </p:nvSpPr>
-        <p:spPr/>
-        <p:txBody>
-          <a:bodyPr/>
-          <a:lstStyle/>
-          <a:p>
-            <a:r>
-              <a:rPr lang="en" sz="3600" b="0" dirty="0">
-                <a:solidFill>
-                  <a:srgbClr val="000000"/>
-                </a:solidFill>
-                <a:latin typeface="Arial"/>
-                <a:ea typeface="Arial"/>
-                <a:cs typeface="Arial"/>
-                <a:sym typeface="Arial"/>
-              </a:rPr>
-              <a:t>Next Steps</a:t>
-            </a:r>
-            <a:endParaRPr lang="en-US" dirty="0"/>
-          </a:p>
-        </p:txBody>
-      </p:sp>
-      <p:sp>
-        <p:nvSpPr>
-          <p:cNvPr id="5" name="Textfeld 4">
-            <a:extLst>
-              <a:ext uri="{FF2B5EF4-FFF2-40B4-BE49-F238E27FC236}">
-                <a16:creationId xmlns:a16="http://schemas.microsoft.com/office/drawing/2014/main" id="{5EE2D3A7-3001-5D47-A24D-EBC40CF39A22}"/>
-              </a:ext>
-            </a:extLst>
-          </p:cNvPr>
-          <p:cNvSpPr txBox="1"/>
-          <p:nvPr/>
-        </p:nvSpPr>
-        <p:spPr>
-          <a:xfrm>
-            <a:off x="467544" y="1059582"/>
-            <a:ext cx="7405143" cy="1046440"/>
-          </a:xfrm>
-          <a:prstGeom prst="rect">
-            <a:avLst/>
-          </a:prstGeom>
-          <a:noFill/>
-        </p:spPr>
-        <p:txBody>
-          <a:bodyPr wrap="square" rtlCol="0">
-            <a:spAutoFit/>
-          </a:bodyPr>
-          <a:lstStyle/>
-          <a:p>
-            <a:pPr marL="342900" indent="-342900">
-              <a:buFont typeface="+mj-lt"/>
-              <a:buAutoNum type="arabicPeriod"/>
-            </a:pPr>
-            <a:r>
-              <a:rPr lang="en-US" dirty="0"/>
-              <a:t>Compare offering prices to what the model predicts to find bargains</a:t>
-            </a:r>
-          </a:p>
-          <a:p>
-            <a:pPr marL="342900" indent="-342900">
-              <a:buFont typeface="+mj-lt"/>
-              <a:buAutoNum type="arabicPeriod"/>
-            </a:pPr>
-            <a:endParaRPr lang="en-US" sz="1300" dirty="0"/>
-          </a:p>
-          <a:p>
-            <a:pPr marL="342900" indent="-342900">
-              <a:buFont typeface="+mj-lt"/>
-              <a:buAutoNum type="arabicPeriod"/>
-            </a:pPr>
-            <a:endParaRPr lang="en-US" sz="1300" dirty="0"/>
-          </a:p>
-          <a:p>
-            <a:endParaRPr lang="en-US" dirty="0"/>
-          </a:p>
-        </p:txBody>
-      </p:sp>
-    </p:spTree>
-    <p:extLst>
-      <p:ext uri="{BB962C8B-B14F-4D97-AF65-F5344CB8AC3E}">
-        <p14:creationId xmlns:p14="http://schemas.microsoft.com/office/powerpoint/2010/main" val="33300589"/>
-      </p:ext>
-    </p:extLst>
-  </p:cSld>
-  <p:clrMapOvr>
-    <a:masterClrMapping/>
-  </p:clrMapOvr>
-</p:sld>
-</file>
-
-<file path=ppt/slides/slide25.xml><?xml version="1.0" encoding="utf-8"?>
-<p:sld xmlns:a="http://schemas.openxmlformats.org/drawingml/2006/main" xmlns:r="http://schemas.openxmlformats.org/officeDocument/2006/relationships" xmlns:p="http://schemas.openxmlformats.org/presentationml/2006/main">
-  <p:cSld>
-    <p:spTree>
-      <p:nvGrpSpPr>
         <p:cNvPr id="1" name=""/>
         <p:cNvGrpSpPr/>
         <p:nvPr/>
@@ -18486,7 +18257,7 @@
 </p:sld>
 </file>
 
-<file path=ppt/slides/slide26.xml><?xml version="1.0" encoding="utf-8"?>
+<file path=ppt/slides/slide25.xml><?xml version="1.0" encoding="utf-8"?>
 <p:sld xmlns:a="http://schemas.openxmlformats.org/drawingml/2006/main" xmlns:r="http://schemas.openxmlformats.org/officeDocument/2006/relationships" xmlns:p="http://schemas.openxmlformats.org/presentationml/2006/main">
   <p:cSld>
     <p:spTree>
